--- a/05. Conditional-Statements/5. Conditional-Statements.pptx
+++ b/05. Conditional-Statements/5. Conditional-Statements.pptx
@@ -5,10 +5,10 @@
     <p:sldMasterId id="2147483660" r:id="rId2"/>
   </p:sldMasterIdLst>
   <p:notesMasterIdLst>
-    <p:notesMasterId r:id="rId37"/>
+    <p:notesMasterId r:id="rId38"/>
   </p:notesMasterIdLst>
   <p:handoutMasterIdLst>
-    <p:handoutMasterId r:id="rId38"/>
+    <p:handoutMasterId r:id="rId39"/>
   </p:handoutMasterIdLst>
   <p:sldIdLst>
     <p:sldId id="274" r:id="rId3"/>
@@ -44,7 +44,8 @@
     <p:sldId id="349" r:id="rId33"/>
     <p:sldId id="351" r:id="rId34"/>
     <p:sldId id="352" r:id="rId35"/>
-    <p:sldId id="393" r:id="rId36"/>
+    <p:sldId id="422" r:id="rId36"/>
+    <p:sldId id="393" r:id="rId37"/>
   </p:sldIdLst>
   <p:sldSz cx="12188825" cy="6858000"/>
   <p:notesSz cx="6858000" cy="9144000"/>
@@ -259,7 +260,7 @@
             <a:fld id="{FE5B4EDC-59C0-49C7-8ADA-5A781B329E02}" type="datetimeFigureOut">
               <a:rPr lang="en-US"/>
               <a:pPr/>
-              <a:t>17-03-2014</a:t>
+              <a:t>28-Nov-14</a:t>
             </a:fld>
             <a:endParaRPr dirty="0"/>
           </a:p>
@@ -458,7 +459,7 @@
             <a:fld id="{F2D8D46A-B586-417D-BFBD-8C8FE0AAF762}" type="datetimeFigureOut">
               <a:rPr lang="en-US" smtClean="0"/>
               <a:pPr/>
-              <a:t>17-03-2014</a:t>
+              <a:t>28-Nov-14</a:t>
             </a:fld>
             <a:endParaRPr lang="en-US"/>
           </a:p>
@@ -1597,6 +1598,69 @@
       </p:grpSpPr>
       <p:sp>
         <p:nvSpPr>
+          <p:cNvPr id="445442" name="Rectangle 2"/>
+          <p:cNvSpPr>
+            <a:spLocks noGrp="1" noRot="1" noChangeAspect="1" noChangeArrowheads="1" noTextEdit="1"/>
+          </p:cNvSpPr>
+          <p:nvPr>
+            <p:ph type="sldImg"/>
+          </p:nvPr>
+        </p:nvSpPr>
+        <p:spPr>
+          <a:ln/>
+        </p:spPr>
+      </p:sp>
+      <p:sp>
+        <p:nvSpPr>
+          <p:cNvPr id="445443" name="Rectangle 3"/>
+          <p:cNvSpPr>
+            <a:spLocks noGrp="1" noChangeArrowheads="1"/>
+          </p:cNvSpPr>
+          <p:nvPr>
+            <p:ph type="body" idx="1"/>
+          </p:nvPr>
+        </p:nvSpPr>
+        <p:spPr/>
+        <p:txBody>
+          <a:bodyPr/>
+          <a:lstStyle/>
+          <a:p>
+            <a:endParaRPr lang="bg-BG"/>
+          </a:p>
+        </p:txBody>
+      </p:sp>
+    </p:spTree>
+    <p:extLst>
+      <p:ext uri="{BB962C8B-B14F-4D97-AF65-F5344CB8AC3E}">
+        <p14:creationId xmlns:p14="http://schemas.microsoft.com/office/powerpoint/2010/main" val="3062272534"/>
+      </p:ext>
+    </p:extLst>
+  </p:cSld>
+  <p:clrMapOvr>
+    <a:masterClrMapping/>
+  </p:clrMapOvr>
+</p:notes>
+</file>
+
+<file path=ppt/notesSlides/notesSlide16.xml><?xml version="1.0" encoding="utf-8"?>
+<p:notes xmlns:a="http://schemas.openxmlformats.org/drawingml/2006/main" xmlns:r="http://schemas.openxmlformats.org/officeDocument/2006/relationships" xmlns:p="http://schemas.openxmlformats.org/presentationml/2006/main">
+  <p:cSld>
+    <p:spTree>
+      <p:nvGrpSpPr>
+        <p:cNvPr id="1" name=""/>
+        <p:cNvGrpSpPr/>
+        <p:nvPr/>
+      </p:nvGrpSpPr>
+      <p:grpSpPr>
+        <a:xfrm>
+          <a:off x="0" y="0"/>
+          <a:ext cx="0" cy="0"/>
+          <a:chOff x="0" y="0"/>
+          <a:chExt cx="0" cy="0"/>
+        </a:xfrm>
+      </p:grpSpPr>
+      <p:sp>
+        <p:nvSpPr>
           <p:cNvPr id="2" name="Slide Image Placeholder 1"/>
           <p:cNvSpPr>
             <a:spLocks noGrp="1" noRot="1" noChangeAspect="1"/>
@@ -1694,7 +1758,7 @@
             <a:fld id="{3EBA5BD7-F043-4D1B-AA17-CD412FC534DE}" type="slidenum">
               <a:rPr lang="en-US" smtClean="0"/>
               <a:pPr/>
-              <a:t>34</a:t>
+              <a:t>35</a:t>
             </a:fld>
             <a:endParaRPr lang="en-US" dirty="0"/>
           </a:p>
@@ -3425,7 +3489,7 @@
             <a:fld id="{055373AC-9AA7-423B-BA00-BA1C74164DBD}" type="datetime1">
               <a:rPr lang="en-US" smtClean="0"/>
               <a:pPr/>
-              <a:t>17-03-2014</a:t>
+              <a:t>28-Nov-14</a:t>
             </a:fld>
             <a:endParaRPr lang="en-US" dirty="0"/>
           </a:p>
@@ -4664,7 +4728,7 @@
             <a:fld id="{055373AC-9AA7-423B-BA00-BA1C74164DBD}" type="datetime1">
               <a:rPr lang="en-US" smtClean="0"/>
               <a:pPr/>
-              <a:t>17-03-2014</a:t>
+              <a:t>28-Nov-14</a:t>
             </a:fld>
             <a:endParaRPr lang="en-US" dirty="0"/>
           </a:p>
@@ -5320,168 +5384,10 @@
           </a:p>
         </p:txBody>
       </p:sp>
-      <p:sp>
-        <p:nvSpPr>
-          <p:cNvPr id="7" name="Text Placeholder 6"/>
-          <p:cNvSpPr>
-            <a:spLocks noGrp="1"/>
-          </p:cNvSpPr>
-          <p:nvPr>
-            <p:ph type="body" sz="quarter" idx="10"/>
-          </p:nvPr>
-        </p:nvSpPr>
-        <p:spPr>
-          <a:xfrm>
-            <a:off x="760412" y="4345481"/>
-            <a:ext cx="3187613" cy="525135"/>
-          </a:xfrm>
-        </p:spPr>
-        <p:txBody>
-          <a:bodyPr/>
-          <a:lstStyle/>
-          <a:p>
-            <a:r>
-              <a:rPr lang="en-US" dirty="0" smtClean="0"/>
-              <a:t>Svetlin Nakov</a:t>
-            </a:r>
-            <a:endParaRPr lang="en-US" dirty="0"/>
-          </a:p>
-        </p:txBody>
-      </p:sp>
-      <p:sp>
-        <p:nvSpPr>
-          <p:cNvPr id="8" name="Text Placeholder 7"/>
-          <p:cNvSpPr>
-            <a:spLocks noGrp="1"/>
-          </p:cNvSpPr>
-          <p:nvPr>
-            <p:ph type="body" sz="quarter" idx="13"/>
-          </p:nvPr>
-        </p:nvSpPr>
-        <p:spPr>
-          <a:xfrm>
-            <a:off x="760413" y="4815380"/>
-            <a:ext cx="3187614" cy="444343"/>
-          </a:xfrm>
-        </p:spPr>
-        <p:txBody>
-          <a:bodyPr/>
-          <a:lstStyle/>
-          <a:p>
-            <a:r>
-              <a:rPr lang="en-US" dirty="0"/>
-              <a:t>Technical </a:t>
-            </a:r>
-            <a:r>
-              <a:rPr lang="en-US" dirty="0" smtClean="0"/>
-              <a:t>Trainer</a:t>
-            </a:r>
-            <a:endParaRPr lang="en-US" dirty="0"/>
-          </a:p>
-        </p:txBody>
-      </p:sp>
-      <p:sp>
-        <p:nvSpPr>
-          <p:cNvPr id="9" name="Text Placeholder 8"/>
-          <p:cNvSpPr>
-            <a:spLocks noGrp="1"/>
-          </p:cNvSpPr>
-          <p:nvPr>
-            <p:ph type="body" sz="quarter" idx="14"/>
-          </p:nvPr>
-        </p:nvSpPr>
-        <p:spPr>
-          <a:xfrm>
-            <a:off x="760412" y="5193069"/>
-            <a:ext cx="3187613" cy="395869"/>
-          </a:xfrm>
-        </p:spPr>
-        <p:txBody>
-          <a:bodyPr/>
-          <a:lstStyle/>
-          <a:p>
-            <a:r>
-              <a:rPr lang="en-US" dirty="0" smtClean="0">
-                <a:hlinkClick r:id="rId3"/>
-              </a:rPr>
-              <a:t>www.nakov.com</a:t>
-            </a:r>
-            <a:endParaRPr lang="en-US" dirty="0"/>
-          </a:p>
-        </p:txBody>
-      </p:sp>
-      <p:sp>
-        <p:nvSpPr>
-          <p:cNvPr id="11" name="Text Placeholder 10"/>
-          <p:cNvSpPr>
-            <a:spLocks noGrp="1"/>
-          </p:cNvSpPr>
-          <p:nvPr>
-            <p:ph type="body" sz="quarter" idx="17"/>
-          </p:nvPr>
-        </p:nvSpPr>
-        <p:spPr>
-          <a:xfrm>
-            <a:off x="760412" y="5576003"/>
-            <a:ext cx="3187613" cy="363552"/>
-          </a:xfrm>
-        </p:spPr>
-        <p:txBody>
-          <a:bodyPr/>
-          <a:lstStyle/>
-          <a:p>
-            <a:r>
-              <a:rPr lang="en-US" dirty="0"/>
-              <a:t>Software </a:t>
-            </a:r>
-            <a:r>
-              <a:rPr lang="en-US" dirty="0" smtClean="0"/>
-              <a:t>University</a:t>
-            </a:r>
-            <a:endParaRPr lang="en-US" dirty="0"/>
-          </a:p>
-        </p:txBody>
-      </p:sp>
-      <p:sp>
-        <p:nvSpPr>
-          <p:cNvPr id="12" name="Text Placeholder 11"/>
-          <p:cNvSpPr>
-            <a:spLocks noGrp="1"/>
-          </p:cNvSpPr>
-          <p:nvPr>
-            <p:ph type="body" sz="quarter" idx="18"/>
-          </p:nvPr>
-        </p:nvSpPr>
-        <p:spPr>
-          <a:xfrm>
-            <a:off x="760412" y="5917165"/>
-            <a:ext cx="3187613" cy="331235"/>
-          </a:xfrm>
-        </p:spPr>
-        <p:txBody>
-          <a:bodyPr/>
-          <a:lstStyle/>
-          <a:p>
-            <a:r>
-              <a:rPr lang="en-US" dirty="0">
-                <a:hlinkClick r:id="rId4"/>
-              </a:rPr>
-              <a:t>http://</a:t>
-            </a:r>
-            <a:r>
-              <a:rPr lang="en-US" dirty="0" smtClean="0">
-                <a:hlinkClick r:id="rId4"/>
-              </a:rPr>
-              <a:t>softuni.bg</a:t>
-            </a:r>
-            <a:endParaRPr lang="en-US" dirty="0"/>
-          </a:p>
-        </p:txBody>
-      </p:sp>
       <p:pic>
         <p:nvPicPr>
           <p:cNvPr id="1028" name="Picture 4">
-            <a:hlinkClick r:id="rId5" tooltip="This work is licensed under the &quot;Creative Commons Attribution-NonCommercial-ShareAlike 4.0 International&quot; license"/>
+            <a:hlinkClick r:id="rId3" tooltip="This work is licensed under the &quot;Creative Commons Attribution-NonCommercial-ShareAlike 4.0 International&quot; license"/>
           </p:cNvPr>
           <p:cNvPicPr>
             <a:picLocks noChangeAspect="1" noChangeArrowheads="1"/>
@@ -5489,7 +5395,7 @@
           <p:nvPr/>
         </p:nvPicPr>
         <p:blipFill>
-          <a:blip r:embed="rId6">
+          <a:blip r:embed="rId4">
             <a:extLst>
               <a:ext uri="{28A0092B-C50C-407E-A947-70E740481C1C}">
                 <a14:useLocalDpi xmlns:a14="http://schemas.microsoft.com/office/drawing/2010/main"/>
@@ -5530,7 +5436,7 @@
       <p:pic>
         <p:nvPicPr>
           <p:cNvPr id="14" name="Picture 2" descr="D:\_WORK PROJECTS\Nakov\Presentation Slides Design\STORE\Software University Foundation Logo BG and ENG black WHITOUT background CMYK.png">
-            <a:hlinkClick r:id="rId7" tooltip="Software University Foundation"/>
+            <a:hlinkClick r:id="rId5" tooltip="Software University Foundation"/>
           </p:cNvPr>
           <p:cNvPicPr>
             <a:picLocks noChangeAspect="1" noChangeArrowheads="1"/>
@@ -5538,7 +5444,7 @@
           <p:nvPr/>
         </p:nvPicPr>
         <p:blipFill rotWithShape="1">
-          <a:blip r:embed="rId8" cstate="print">
+          <a:blip r:embed="rId6" cstate="print">
             <a:extLst>
               <a:ext uri="{28A0092B-C50C-407E-A947-70E740481C1C}">
                 <a14:useLocalDpi xmlns:a14="http://schemas.microsoft.com/office/drawing/2010/main"/>
@@ -5582,7 +5488,7 @@
           <p:nvPr/>
         </p:nvPicPr>
         <p:blipFill>
-          <a:blip r:embed="rId9" cstate="screen"/>
+          <a:blip r:embed="rId7" cstate="screen"/>
           <a:srcRect/>
           <a:stretch>
             <a:fillRect/>
@@ -5608,7 +5514,7 @@
           <p:nvPr/>
         </p:nvPicPr>
         <p:blipFill>
-          <a:blip r:embed="rId10">
+          <a:blip r:embed="rId8">
             <a:extLst>
               <a:ext uri="{28A0092B-C50C-407E-A947-70E740481C1C}">
                 <a14:useLocalDpi xmlns:a14="http://schemas.microsoft.com/office/drawing/2010/main" val="0"/>
@@ -5673,7 +5579,7 @@
           <p:nvPr/>
         </p:nvPicPr>
         <p:blipFill>
-          <a:blip r:embed="rId11">
+          <a:blip r:embed="rId9">
             <a:extLst>
               <a:ext uri="{28A0092B-C50C-407E-A947-70E740481C1C}">
                 <a14:useLocalDpi xmlns:a14="http://schemas.microsoft.com/office/drawing/2010/main" val="0"/>
@@ -5738,7 +5644,7 @@
           <p:nvPr/>
         </p:nvPicPr>
         <p:blipFill>
-          <a:blip r:embed="rId12">
+          <a:blip r:embed="rId10">
             <a:extLst>
               <a:ext uri="{28A0092B-C50C-407E-A947-70E740481C1C}">
                 <a14:useLocalDpi xmlns:a14="http://schemas.microsoft.com/office/drawing/2010/main" val="0"/>
@@ -5795,6 +5701,134 @@
           </a:extLst>
         </p:spPr>
       </p:pic>
+      <p:sp>
+        <p:nvSpPr>
+          <p:cNvPr id="20" name="Text Placeholder 6"/>
+          <p:cNvSpPr>
+            <a:spLocks noGrp="1"/>
+          </p:cNvSpPr>
+          <p:nvPr>
+            <p:ph type="body" sz="quarter" idx="10"/>
+          </p:nvPr>
+        </p:nvSpPr>
+        <p:spPr>
+          <a:xfrm>
+            <a:off x="821982" y="4164083"/>
+            <a:ext cx="3126043" cy="525135"/>
+          </a:xfrm>
+        </p:spPr>
+        <p:txBody>
+          <a:bodyPr/>
+          <a:lstStyle/>
+          <a:p>
+            <a:r>
+              <a:rPr lang="en-US" noProof="1" smtClean="0"/>
+              <a:t>SoftUni Team</a:t>
+            </a:r>
+            <a:endParaRPr lang="en-US" noProof="1"/>
+          </a:p>
+        </p:txBody>
+      </p:sp>
+      <p:sp>
+        <p:nvSpPr>
+          <p:cNvPr id="21" name="Text Placeholder 7"/>
+          <p:cNvSpPr>
+            <a:spLocks noGrp="1"/>
+          </p:cNvSpPr>
+          <p:nvPr>
+            <p:ph type="body" sz="quarter" idx="13"/>
+          </p:nvPr>
+        </p:nvSpPr>
+        <p:spPr>
+          <a:xfrm>
+            <a:off x="821983" y="4633982"/>
+            <a:ext cx="3126044" cy="444343"/>
+          </a:xfrm>
+        </p:spPr>
+        <p:txBody>
+          <a:bodyPr/>
+          <a:lstStyle/>
+          <a:p>
+            <a:r>
+              <a:rPr lang="en-US" dirty="0"/>
+              <a:t>Technical </a:t>
+            </a:r>
+            <a:r>
+              <a:rPr lang="en-US" dirty="0" smtClean="0"/>
+              <a:t>Trainers</a:t>
+            </a:r>
+            <a:endParaRPr lang="en-US" dirty="0"/>
+          </a:p>
+        </p:txBody>
+      </p:sp>
+      <p:sp>
+        <p:nvSpPr>
+          <p:cNvPr id="22" name="Text Placeholder 10"/>
+          <p:cNvSpPr>
+            <a:spLocks noGrp="1"/>
+          </p:cNvSpPr>
+          <p:nvPr>
+            <p:ph type="body" sz="quarter" idx="17"/>
+          </p:nvPr>
+        </p:nvSpPr>
+        <p:spPr>
+          <a:xfrm>
+            <a:off x="821982" y="5039109"/>
+            <a:ext cx="3126043" cy="382788"/>
+          </a:xfrm>
+        </p:spPr>
+        <p:txBody>
+          <a:bodyPr/>
+          <a:lstStyle/>
+          <a:p>
+            <a:r>
+              <a:rPr lang="en-US" sz="2000" dirty="0"/>
+              <a:t>Software </a:t>
+            </a:r>
+            <a:r>
+              <a:rPr lang="en-US" sz="2000" dirty="0" smtClean="0"/>
+              <a:t>University</a:t>
+            </a:r>
+            <a:endParaRPr lang="en-US" sz="2000" dirty="0"/>
+          </a:p>
+        </p:txBody>
+      </p:sp>
+      <p:sp>
+        <p:nvSpPr>
+          <p:cNvPr id="23" name="Text Placeholder 11"/>
+          <p:cNvSpPr>
+            <a:spLocks noGrp="1"/>
+          </p:cNvSpPr>
+          <p:nvPr>
+            <p:ph type="body" sz="quarter" idx="18"/>
+          </p:nvPr>
+        </p:nvSpPr>
+        <p:spPr>
+          <a:xfrm>
+            <a:off x="821982" y="5379630"/>
+            <a:ext cx="3126043" cy="351754"/>
+          </a:xfrm>
+        </p:spPr>
+        <p:txBody>
+          <a:bodyPr/>
+          <a:lstStyle/>
+          <a:p>
+            <a:r>
+              <a:rPr lang="en-US" sz="1800" dirty="0">
+                <a:hlinkClick r:id="rId11"/>
+              </a:rPr>
+              <a:t>http://</a:t>
+            </a:r>
+            <a:r>
+              <a:rPr lang="en-US" sz="1800" dirty="0" smtClean="0">
+                <a:hlinkClick r:id="rId11"/>
+              </a:rPr>
+              <a:t>softuni.bg</a:t>
+            </a:r>
+            <a:endParaRPr lang="en-US" sz="1800" dirty="0"/>
+          </a:p>
+        </p:txBody>
+      </p:sp>
     </p:spTree>
     <p:extLst>
       <p:ext uri="{BB962C8B-B14F-4D97-AF65-F5344CB8AC3E}">
@@ -14128,10 +14162,10 @@
                 <a:latin typeface="Consolas" pitchFamily="49" charset="0"/>
                 <a:cs typeface="Consolas" pitchFamily="49" charset="0"/>
               </a:rPr>
-              <a:t>        Console.WriteLine</a:t>
-            </a:r>
-            <a:r>
-              <a:rPr lang="en-US" sz="2100" b="1" noProof="1">
+              <a:t>        Console.WriteLine("I don't know </a:t>
+            </a:r>
+            <a:r>
+              <a:rPr lang="en-US" sz="2100" b="1" noProof="1" smtClean="0">
                 <a:solidFill>
                   <a:srgbClr val="FBEEDC"/>
                 </a:solidFill>
@@ -14145,7 +14179,7 @@
                 <a:latin typeface="Consolas" pitchFamily="49" charset="0"/>
                 <a:cs typeface="Consolas" pitchFamily="49" charset="0"/>
               </a:rPr>
-              <a:t>("I don't </a:t>
+              <a:t>such animal</a:t>
             </a:r>
             <a:r>
               <a:rPr lang="en-US" sz="2100" b="1" noProof="1">
@@ -14162,56 +14196,8 @@
                 <a:latin typeface="Consolas" pitchFamily="49" charset="0"/>
                 <a:cs typeface="Consolas" pitchFamily="49" charset="0"/>
               </a:rPr>
-              <a:t>know </a:t>
-            </a:r>
-            <a:r>
-              <a:rPr lang="en-US" sz="2100" b="1" noProof="1" smtClean="0">
-                <a:solidFill>
-                  <a:srgbClr val="FBEEDC"/>
-                </a:solidFill>
-                <a:effectLst>
-                  <a:outerShdw blurRad="38100" dist="38100" dir="2700000" algn="tl">
-                    <a:srgbClr val="000000">
-                      <a:alpha val="43137"/>
-                    </a:srgbClr>
-                  </a:outerShdw>
-                </a:effectLst>
-                <a:latin typeface="Consolas" pitchFamily="49" charset="0"/>
-                <a:cs typeface="Consolas" pitchFamily="49" charset="0"/>
-              </a:rPr>
-              <a:t>such animal</a:t>
-            </a:r>
-            <a:r>
-              <a:rPr lang="en-US" sz="2100" b="1" noProof="1">
-                <a:solidFill>
-                  <a:srgbClr val="FBEEDC"/>
-                </a:solidFill>
-                <a:effectLst>
-                  <a:outerShdw blurRad="38100" dist="38100" dir="2700000" algn="tl">
-                    <a:srgbClr val="000000">
-                      <a:alpha val="43137"/>
-                    </a:srgbClr>
-                  </a:outerShdw>
-                </a:effectLst>
-                <a:latin typeface="Consolas" pitchFamily="49" charset="0"/>
-                <a:cs typeface="Consolas" pitchFamily="49" charset="0"/>
-              </a:rPr>
               <a:t>!"); </a:t>
             </a:r>
-            <a:endParaRPr lang="en-US" sz="2100" b="1" noProof="1">
-              <a:solidFill>
-                <a:srgbClr val="FBEEDC"/>
-              </a:solidFill>
-              <a:effectLst>
-                <a:outerShdw blurRad="38100" dist="38100" dir="2700000" algn="tl">
-                  <a:srgbClr val="000000">
-                    <a:alpha val="43137"/>
-                  </a:srgbClr>
-                </a:outerShdw>
-              </a:effectLst>
-              <a:latin typeface="Consolas" pitchFamily="49" charset="0"/>
-              <a:cs typeface="Consolas" pitchFamily="49" charset="0"/>
-            </a:endParaRPr>
           </a:p>
           <a:p>
             <a:pPr indent="-457200" eaLnBrk="0" hangingPunct="0">
@@ -15561,6 +15547,275 @@
 </file>
 
 <file path=ppt/slides/slide34.xml><?xml version="1.0" encoding="utf-8"?>
+<p:sld xmlns:a="http://schemas.openxmlformats.org/drawingml/2006/main" xmlns:r="http://schemas.openxmlformats.org/officeDocument/2006/relationships" xmlns:p="http://schemas.openxmlformats.org/presentationml/2006/main">
+  <p:cSld>
+    <p:spTree>
+      <p:nvGrpSpPr>
+        <p:cNvPr id="1" name=""/>
+        <p:cNvGrpSpPr/>
+        <p:nvPr/>
+      </p:nvGrpSpPr>
+      <p:grpSpPr>
+        <a:xfrm>
+          <a:off x="0" y="0"/>
+          <a:ext cx="0" cy="0"/>
+          <a:chOff x="0" y="0"/>
+          <a:chExt cx="0" cy="0"/>
+        </a:xfrm>
+      </p:grpSpPr>
+      <p:sp>
+        <p:nvSpPr>
+          <p:cNvPr id="444418" name="Rectangle 2"/>
+          <p:cNvSpPr>
+            <a:spLocks noGrp="1" noChangeArrowheads="1"/>
+          </p:cNvSpPr>
+          <p:nvPr>
+            <p:ph type="title"/>
+          </p:nvPr>
+        </p:nvSpPr>
+        <p:spPr/>
+        <p:txBody>
+          <a:bodyPr>
+            <a:normAutofit/>
+          </a:bodyPr>
+          <a:lstStyle/>
+          <a:p>
+            <a:r>
+              <a:rPr lang="en-US" dirty="0" smtClean="0"/>
+              <a:t>SoftUni Diamond Partners</a:t>
+            </a:r>
+            <a:endParaRPr lang="bg-BG" dirty="0"/>
+          </a:p>
+        </p:txBody>
+      </p:sp>
+      <p:pic>
+        <p:nvPicPr>
+          <p:cNvPr id="1027" name="Picture 3">
+            <a:hlinkClick r:id="rId3"/>
+          </p:cNvPr>
+          <p:cNvPicPr>
+            <a:picLocks noChangeAspect="1" noChangeArrowheads="1"/>
+          </p:cNvPicPr>
+          <p:nvPr/>
+        </p:nvPicPr>
+        <p:blipFill>
+          <a:blip r:embed="rId4">
+            <a:extLst>
+              <a:ext uri="{28A0092B-C50C-407E-A947-70E740481C1C}">
+                <a14:useLocalDpi xmlns:a14="http://schemas.microsoft.com/office/drawing/2010/main" val="0"/>
+              </a:ext>
+            </a:extLst>
+          </a:blip>
+          <a:srcRect/>
+          <a:stretch>
+            <a:fillRect/>
+          </a:stretch>
+        </p:blipFill>
+        <p:spPr bwMode="auto">
+          <a:xfrm>
+            <a:off x="8229033" y="1427074"/>
+            <a:ext cx="3473178" cy="1236650"/>
+          </a:xfrm>
+          <a:prstGeom prst="rect">
+            <a:avLst/>
+          </a:prstGeom>
+          <a:noFill/>
+          <a:extLst>
+            <a:ext uri="{909E8E84-426E-40DD-AFC4-6F175D3DCCD1}">
+              <a14:hiddenFill xmlns:a14="http://schemas.microsoft.com/office/drawing/2010/main">
+                <a:solidFill>
+                  <a:srgbClr val="FFFFFF"/>
+                </a:solidFill>
+              </a14:hiddenFill>
+            </a:ext>
+          </a:extLst>
+        </p:spPr>
+      </p:pic>
+      <p:pic>
+        <p:nvPicPr>
+          <p:cNvPr id="3" name="Picture 2">
+            <a:hlinkClick r:id="rId5"/>
+          </p:cNvPr>
+          <p:cNvPicPr>
+            <a:picLocks noChangeAspect="1"/>
+          </p:cNvPicPr>
+          <p:nvPr/>
+        </p:nvPicPr>
+        <p:blipFill>
+          <a:blip r:embed="rId6"/>
+          <a:stretch>
+            <a:fillRect/>
+          </a:stretch>
+        </p:blipFill>
+        <p:spPr>
+          <a:xfrm>
+            <a:off x="531811" y="1427088"/>
+            <a:ext cx="2695672" cy="1236975"/>
+          </a:xfrm>
+          <a:prstGeom prst="rect">
+            <a:avLst/>
+          </a:prstGeom>
+        </p:spPr>
+      </p:pic>
+      <p:pic>
+        <p:nvPicPr>
+          <p:cNvPr id="4" name="Picture 3">
+            <a:hlinkClick r:id="rId7"/>
+          </p:cNvPr>
+          <p:cNvPicPr>
+            <a:picLocks noChangeAspect="1"/>
+          </p:cNvPicPr>
+          <p:nvPr/>
+        </p:nvPicPr>
+        <p:blipFill>
+          <a:blip r:embed="rId8"/>
+          <a:stretch>
+            <a:fillRect/>
+          </a:stretch>
+        </p:blipFill>
+        <p:spPr>
+          <a:xfrm>
+            <a:off x="3858904" y="1427074"/>
+            <a:ext cx="3738707" cy="1236650"/>
+          </a:xfrm>
+          <a:prstGeom prst="rect">
+            <a:avLst/>
+          </a:prstGeom>
+        </p:spPr>
+      </p:pic>
+      <p:pic>
+        <p:nvPicPr>
+          <p:cNvPr id="5" name="Picture 4">
+            <a:hlinkClick r:id="rId9"/>
+          </p:cNvPr>
+          <p:cNvPicPr>
+            <a:picLocks noChangeAspect="1"/>
+          </p:cNvPicPr>
+          <p:nvPr/>
+        </p:nvPicPr>
+        <p:blipFill>
+          <a:blip r:embed="rId10"/>
+          <a:stretch>
+            <a:fillRect/>
+          </a:stretch>
+        </p:blipFill>
+        <p:spPr>
+          <a:xfrm>
+            <a:off x="531811" y="3250872"/>
+            <a:ext cx="2895601" cy="1140691"/>
+          </a:xfrm>
+          <a:prstGeom prst="rect">
+            <a:avLst/>
+          </a:prstGeom>
+        </p:spPr>
+      </p:pic>
+      <p:pic>
+        <p:nvPicPr>
+          <p:cNvPr id="6" name="Picture 5">
+            <a:hlinkClick r:id="rId11"/>
+          </p:cNvPr>
+          <p:cNvPicPr>
+            <a:picLocks noChangeAspect="1"/>
+          </p:cNvPicPr>
+          <p:nvPr/>
+        </p:nvPicPr>
+        <p:blipFill>
+          <a:blip r:embed="rId12"/>
+          <a:stretch>
+            <a:fillRect/>
+          </a:stretch>
+        </p:blipFill>
+        <p:spPr>
+          <a:xfrm>
+            <a:off x="3828589" y="3250871"/>
+            <a:ext cx="2970677" cy="1140691"/>
+          </a:xfrm>
+          <a:prstGeom prst="rect">
+            <a:avLst/>
+          </a:prstGeom>
+        </p:spPr>
+      </p:pic>
+      <p:pic>
+        <p:nvPicPr>
+          <p:cNvPr id="7" name="Picture 6">
+            <a:hlinkClick r:id="rId13"/>
+          </p:cNvPr>
+          <p:cNvPicPr>
+            <a:picLocks noChangeAspect="1"/>
+          </p:cNvPicPr>
+          <p:nvPr/>
+        </p:nvPicPr>
+        <p:blipFill>
+          <a:blip r:embed="rId14"/>
+          <a:stretch>
+            <a:fillRect/>
+          </a:stretch>
+        </p:blipFill>
+        <p:spPr>
+          <a:xfrm>
+            <a:off x="7200444" y="3250875"/>
+            <a:ext cx="4501767" cy="1140691"/>
+          </a:xfrm>
+          <a:prstGeom prst="rect">
+            <a:avLst/>
+          </a:prstGeom>
+        </p:spPr>
+      </p:pic>
+      <p:pic>
+        <p:nvPicPr>
+          <p:cNvPr id="9" name="Picture 8">
+            <a:hlinkClick r:id="rId15"/>
+          </p:cNvPr>
+          <p:cNvPicPr>
+            <a:picLocks noChangeAspect="1"/>
+          </p:cNvPicPr>
+          <p:nvPr/>
+        </p:nvPicPr>
+        <p:blipFill>
+          <a:blip r:embed="rId16"/>
+          <a:stretch>
+            <a:fillRect/>
+          </a:stretch>
+        </p:blipFill>
+        <p:spPr>
+          <a:xfrm>
+            <a:off x="531811" y="4978371"/>
+            <a:ext cx="4645555" cy="896190"/>
+          </a:xfrm>
+          <a:prstGeom prst="rect">
+            <a:avLst/>
+          </a:prstGeom>
+        </p:spPr>
+      </p:pic>
+    </p:spTree>
+    <p:extLst>
+      <p:ext uri="{BB962C8B-B14F-4D97-AF65-F5344CB8AC3E}">
+        <p14:creationId xmlns:p14="http://schemas.microsoft.com/office/powerpoint/2010/main" val="4185410017"/>
+      </p:ext>
+    </p:extLst>
+  </p:cSld>
+  <p:clrMapOvr>
+    <a:masterClrMapping/>
+  </p:clrMapOvr>
+  <mc:AlternateContent xmlns:mc="http://schemas.openxmlformats.org/markup-compatibility/2006" xmlns:p14="http://schemas.microsoft.com/office/powerpoint/2010/main">
+    <mc:Choice Requires="p14">
+      <p:transition p14:dur="0"/>
+    </mc:Choice>
+    <mc:Fallback xmlns="">
+      <p:transition/>
+    </mc:Fallback>
+  </mc:AlternateContent>
+  <p:timing>
+    <p:tnLst>
+      <p:par>
+        <p:cTn id="1" dur="indefinite" restart="never" nodeType="tmRoot"/>
+      </p:par>
+    </p:tnLst>
+  </p:timing>
+</p:sld>
+</file>
+
+<file path=ppt/slides/slide35.xml><?xml version="1.0" encoding="utf-8"?>
 <p:sld xmlns:a="http://schemas.openxmlformats.org/drawingml/2006/main" xmlns:r="http://schemas.openxmlformats.org/officeDocument/2006/relationships" xmlns:p="http://schemas.openxmlformats.org/presentationml/2006/main">
   <p:cSld>
     <p:spTree>
@@ -21414,8 +21669,12 @@
               </a:lnSpc>
             </a:pPr>
             <a:r>
+              <a:rPr lang="en-US" smtClean="0"/>
+              <a:t>The simplest </a:t>
+            </a:r>
+            <a:r>
               <a:rPr lang="en-US" dirty="0"/>
-              <a:t>The most simple conditional statement</a:t>
+              <a:t>conditional statement</a:t>
             </a:r>
           </a:p>
           <a:p>
